--- a/NEW_DBMS교안/18. 고급 SQL 작성하기_인덱스.pptx
+++ b/NEW_DBMS교안/18. 고급 SQL 작성하기_인덱스.pptx
@@ -220,7 +220,7 @@
           <a:p>
             <a:fld id="{E150CED1-0BD3-437E-982C-E8005E10CB37}" type="datetimeFigureOut">
               <a:rPr lang="ko-KR" altLang="en-US" smtClean="0"/>
-              <a:t>2021-03-31</a:t>
+              <a:t>2021-04-08</a:t>
             </a:fld>
             <a:endParaRPr lang="ko-KR" altLang="en-US"/>
           </a:p>
@@ -2647,9 +2647,54 @@
               <a:t>을 한다</a:t>
             </a:r>
             <a:r>
-              <a:rPr lang="en-US" altLang="ko-KR" dirty="0"/>
-              <a:t>.</a:t>
-            </a:r>
+              <a:rPr lang="en-US" altLang="ko-KR" dirty="0" smtClean="0"/>
+              <a:t>. </a:t>
+            </a:r>
+            <a:r>
+              <a:rPr lang="en-US" altLang="ko-KR" dirty="0" smtClean="0">
+                <a:solidFill>
+                  <a:srgbClr val="FF0000"/>
+                </a:solidFill>
+              </a:rPr>
+              <a:t>(</a:t>
+            </a:r>
+            <a:r>
+              <a:rPr lang="ko-KR" altLang="en-US" dirty="0" smtClean="0">
+                <a:solidFill>
+                  <a:srgbClr val="FF0000"/>
+                </a:solidFill>
+              </a:rPr>
+              <a:t>주석은 </a:t>
+            </a:r>
+            <a:r>
+              <a:rPr lang="ko-KR" altLang="en-US" dirty="0" err="1" smtClean="0">
+                <a:solidFill>
+                  <a:srgbClr val="FF0000"/>
+                </a:solidFill>
+              </a:rPr>
+              <a:t>파싱에서</a:t>
+            </a:r>
+            <a:r>
+              <a:rPr lang="ko-KR" altLang="en-US" dirty="0" smtClean="0">
+                <a:solidFill>
+                  <a:srgbClr val="FF0000"/>
+                </a:solidFill>
+              </a:rPr>
+              <a:t> 무시됨</a:t>
+            </a:r>
+            <a:r>
+              <a:rPr lang="en-US" altLang="ko-KR" dirty="0" smtClean="0">
+                <a:solidFill>
+                  <a:srgbClr val="FF0000"/>
+                </a:solidFill>
+              </a:rPr>
+              <a:t>)</a:t>
+            </a:r>
+            <a:endParaRPr lang="en-US" altLang="ko-KR" dirty="0">
+              <a:solidFill>
+                <a:srgbClr val="FF0000"/>
+              </a:solidFill>
+            </a:endParaRPr>
           </a:p>
           <a:p>
             <a:pPr marL="342900" indent="-342900">
@@ -2681,7 +2726,11 @@
             </a:r>
             <a:r>
               <a:rPr lang="ko-KR" altLang="en-US" dirty="0"/>
-              <a:t>인 정보가 있는지 확인한다</a:t>
+              <a:t>인 정보가 있는지 </a:t>
+            </a:r>
+            <a:r>
+              <a:rPr lang="ko-KR" altLang="en-US" dirty="0" smtClean="0"/>
+              <a:t>먼저확인한다</a:t>
             </a:r>
             <a:r>
               <a:rPr lang="en-US" altLang="ko-KR" dirty="0"/>
@@ -2780,9 +2829,41 @@
             </a:r>
             <a:r>
               <a:rPr lang="ko-KR" altLang="en-US" dirty="0"/>
-              <a:t>가 있는 경우</a:t>
-            </a:r>
-            <a:endParaRPr lang="en-US" altLang="ko-KR" dirty="0"/>
+              <a:t>가 있는 </a:t>
+            </a:r>
+            <a:r>
+              <a:rPr lang="ko-KR" altLang="en-US" dirty="0" smtClean="0"/>
+              <a:t>경우</a:t>
+            </a:r>
+            <a:r>
+              <a:rPr lang="en-US" altLang="ko-KR" dirty="0" smtClean="0">
+                <a:solidFill>
+                  <a:srgbClr val="FF0000"/>
+                </a:solidFill>
+              </a:rPr>
+              <a:t>(HDD </a:t>
+            </a:r>
+            <a:r>
+              <a:rPr lang="ko-KR" altLang="en-US" dirty="0" smtClean="0">
+                <a:solidFill>
+                  <a:srgbClr val="FF0000"/>
+                </a:solidFill>
+              </a:rPr>
+              <a:t>에 어디에 가면 있는지</a:t>
+            </a:r>
+            <a:r>
+              <a:rPr lang="en-US" altLang="ko-KR" dirty="0" smtClean="0">
+                <a:solidFill>
+                  <a:srgbClr val="FF0000"/>
+                </a:solidFill>
+              </a:rPr>
+              <a:t>)</a:t>
+            </a:r>
+            <a:endParaRPr lang="en-US" altLang="ko-KR" dirty="0">
+              <a:solidFill>
+                <a:srgbClr val="FF0000"/>
+              </a:solidFill>
+            </a:endParaRPr>
           </a:p>
           <a:p>
             <a:pPr marL="809244" lvl="3" indent="-342900">
@@ -2802,8 +2883,16 @@
               <a:t>인 정보가 어떤 </a:t>
             </a:r>
             <a:r>
+              <a:rPr lang="en-US" altLang="ko-KR" b="1" dirty="0">
+                <a:solidFill>
+                  <a:srgbClr val="FF0000"/>
+                </a:solidFill>
+              </a:rPr>
+              <a:t>ROWID</a:t>
+            </a:r>
+            <a:r>
               <a:rPr lang="en-US" altLang="ko-KR" dirty="0"/>
-              <a:t>ROWID </a:t>
+              <a:t> </a:t>
             </a:r>
             <a:r>
               <a:rPr lang="ko-KR" altLang="en-US" dirty="0"/>
@@ -2814,13 +2903,32 @@
               <a:t>DB </a:t>
             </a:r>
             <a:r>
-              <a:rPr lang="ko-KR" altLang="en-US" dirty="0"/>
-              <a:t>버퍼캐시에 복사한다</a:t>
-            </a:r>
-            <a:r>
-              <a:rPr lang="en-US" altLang="ko-KR" dirty="0"/>
+              <a:rPr lang="ko-KR" altLang="en-US" dirty="0" err="1"/>
+              <a:t>버퍼캐시에</a:t>
+            </a:r>
+            <a:r>
+              <a:rPr lang="ko-KR" altLang="en-US" dirty="0"/>
+              <a:t> </a:t>
+            </a:r>
+            <a:r>
+              <a:rPr lang="ko-KR" altLang="en-US" dirty="0" smtClean="0"/>
+              <a:t>복사한다</a:t>
+            </a:r>
+            <a:r>
+              <a:rPr lang="en-US" altLang="ko-KR" dirty="0" smtClean="0"/>
               <a:t>.</a:t>
             </a:r>
+          </a:p>
+          <a:p>
+            <a:pPr marL="809244" lvl="3" indent="-342900">
+              <a:buFont typeface="Arial" panose="020B0604020202020204" pitchFamily="34" charset="0"/>
+              <a:buChar char="•"/>
+            </a:pPr>
+            <a:r>
+              <a:rPr lang="ko-KR" altLang="en-US" dirty="0" smtClean="0"/>
+              <a:t>인덱스를 타면 속도가 빠름</a:t>
+            </a:r>
+            <a:endParaRPr lang="en-US" altLang="ko-KR" dirty="0"/>
           </a:p>
           <a:p>
             <a:pPr marL="580644" lvl="2" indent="-342900">
@@ -2926,6 +3034,146 @@
               <a:t>2</a:t>
             </a:fld>
             <a:endParaRPr lang="ko-KR" altLang="en-US"/>
+          </a:p>
+        </p:txBody>
+      </p:sp>
+      <p:sp>
+        <p:nvSpPr>
+          <p:cNvPr id="6" name="직사각형 5"/>
+          <p:cNvSpPr/>
+          <p:nvPr/>
+        </p:nvSpPr>
+        <p:spPr>
+          <a:xfrm>
+            <a:off x="7092280" y="365760"/>
+            <a:ext cx="1499148" cy="548640"/>
+          </a:xfrm>
+          <a:prstGeom prst="rect">
+            <a:avLst/>
+          </a:prstGeom>
+          <a:noFill/>
+          <a:ln w="38100">
+            <a:solidFill>
+              <a:srgbClr val="FF0000"/>
+            </a:solidFill>
+          </a:ln>
+        </p:spPr>
+        <p:style>
+          <a:lnRef idx="2">
+            <a:schemeClr val="accent1">
+              <a:shade val="50000"/>
+            </a:schemeClr>
+          </a:lnRef>
+          <a:fillRef idx="1">
+            <a:schemeClr val="accent1"/>
+          </a:fillRef>
+          <a:effectRef idx="0">
+            <a:schemeClr val="accent1"/>
+          </a:effectRef>
+          <a:fontRef idx="minor">
+            <a:schemeClr val="lt1"/>
+          </a:fontRef>
+        </p:style>
+        <p:txBody>
+          <a:bodyPr rtlCol="0" anchor="ctr"/>
+          <a:lstStyle/>
+          <a:p>
+            <a:pPr algn="ctr"/>
+            <a:r>
+              <a:rPr lang="ko-KR" altLang="en-US" dirty="0" smtClean="0">
+                <a:solidFill>
+                  <a:sysClr val="windowText" lastClr="000000"/>
+                </a:solidFill>
+              </a:rPr>
+              <a:t>캐시 </a:t>
+            </a:r>
+            <a:r>
+              <a:rPr lang="en-US" altLang="ko-KR" dirty="0" smtClean="0">
+                <a:solidFill>
+                  <a:sysClr val="windowText" lastClr="000000"/>
+                </a:solidFill>
+              </a:rPr>
+              <a:t>CACHE</a:t>
+            </a:r>
+            <a:endParaRPr lang="ko-KR" altLang="en-US" dirty="0">
+              <a:solidFill>
+                <a:sysClr val="windowText" lastClr="000000"/>
+              </a:solidFill>
+            </a:endParaRPr>
+          </a:p>
+        </p:txBody>
+      </p:sp>
+      <p:sp>
+        <p:nvSpPr>
+          <p:cNvPr id="7" name="직사각형 6"/>
+          <p:cNvSpPr/>
+          <p:nvPr/>
+        </p:nvSpPr>
+        <p:spPr>
+          <a:xfrm>
+            <a:off x="7092280" y="1078081"/>
+            <a:ext cx="1499148" cy="548640"/>
+          </a:xfrm>
+          <a:prstGeom prst="rect">
+            <a:avLst/>
+          </a:prstGeom>
+          <a:noFill/>
+          <a:ln w="38100">
+            <a:solidFill>
+              <a:srgbClr val="FF0000"/>
+            </a:solidFill>
+          </a:ln>
+        </p:spPr>
+        <p:style>
+          <a:lnRef idx="2">
+            <a:schemeClr val="accent1">
+              <a:shade val="50000"/>
+            </a:schemeClr>
+          </a:lnRef>
+          <a:fillRef idx="1">
+            <a:schemeClr val="accent1"/>
+          </a:fillRef>
+          <a:effectRef idx="0">
+            <a:schemeClr val="accent1"/>
+          </a:effectRef>
+          <a:fontRef idx="minor">
+            <a:schemeClr val="lt1"/>
+          </a:fontRef>
+        </p:style>
+        <p:txBody>
+          <a:bodyPr rtlCol="0" anchor="ctr"/>
+          <a:lstStyle/>
+          <a:p>
+            <a:pPr algn="ctr"/>
+            <a:r>
+              <a:rPr lang="ko-KR" altLang="en-US" dirty="0" smtClean="0">
+                <a:solidFill>
+                  <a:sysClr val="windowText" lastClr="000000"/>
+                </a:solidFill>
+              </a:rPr>
+              <a:t>하드디스크</a:t>
+            </a:r>
+            <a:endParaRPr lang="en-US" altLang="ko-KR" dirty="0" smtClean="0">
+              <a:solidFill>
+                <a:sysClr val="windowText" lastClr="000000"/>
+              </a:solidFill>
+            </a:endParaRPr>
+          </a:p>
+          <a:p>
+            <a:pPr algn="ctr"/>
+            <a:r>
+              <a:rPr lang="en-US" altLang="ko-KR" dirty="0" smtClean="0">
+                <a:solidFill>
+                  <a:sysClr val="windowText" lastClr="000000"/>
+                </a:solidFill>
+              </a:rPr>
+              <a:t>HDD</a:t>
+            </a:r>
+            <a:endParaRPr lang="ko-KR" altLang="en-US" dirty="0">
+              <a:solidFill>
+                <a:sysClr val="windowText" lastClr="000000"/>
+              </a:solidFill>
+            </a:endParaRPr>
           </a:p>
         </p:txBody>
       </p:sp>
@@ -3202,22 +3450,32 @@
               <a:buAutoNum type="arabicPeriod"/>
             </a:pPr>
             <a:r>
-              <a:rPr lang="ko-KR" altLang="en-US" dirty="0"/>
+              <a:rPr lang="ko-KR" altLang="en-US" u="sng" dirty="0"/>
               <a:t> 변경 작업</a:t>
             </a:r>
             <a:r>
-              <a:rPr lang="en-US" altLang="ko-KR" dirty="0"/>
+              <a:rPr lang="en-US" altLang="ko-KR" u="sng" dirty="0"/>
               <a:t>(INSERT, UPDATE, DELETE)</a:t>
             </a:r>
             <a:r>
-              <a:rPr lang="ko-KR" altLang="en-US" dirty="0"/>
+              <a:rPr lang="ko-KR" altLang="en-US" u="sng" dirty="0"/>
               <a:t>가 자주 발생되면 오히려 성능이 떨어질 수 있다</a:t>
             </a:r>
             <a:r>
-              <a:rPr lang="en-US" altLang="ko-KR" dirty="0"/>
+              <a:rPr lang="en-US" altLang="ko-KR" u="sng" dirty="0" smtClean="0"/>
               <a:t>.</a:t>
             </a:r>
-            <a:endParaRPr lang="ko-KR" altLang="en-US" dirty="0"/>
+          </a:p>
+          <a:p>
+            <a:pPr lvl="2">
+              <a:buFont typeface="+mj-lt"/>
+              <a:buAutoNum type="arabicPeriod"/>
+            </a:pPr>
+            <a:r>
+              <a:rPr lang="ko-KR" altLang="en-US" u="sng" dirty="0" smtClean="0"/>
+              <a:t>중복된 데이터가 많이 저장된 곳에도 자주 발생되면 오히려 성능 떨어지</a:t>
+            </a:r>
+            <a:endParaRPr lang="ko-KR" altLang="en-US" u="sng" dirty="0"/>
           </a:p>
         </p:txBody>
       </p:sp>
@@ -3411,7 +3669,7 @@
         <p:spPr>
           <a:xfrm>
             <a:off x="611560" y="1004535"/>
-            <a:ext cx="6652783" cy="1152688"/>
+            <a:ext cx="6652783" cy="1569660"/>
           </a:xfrm>
           <a:prstGeom prst="rect">
             <a:avLst/>
@@ -3502,10 +3760,47 @@
               <a:t> 기능처럼 빠른 검색을 지원한다</a:t>
             </a:r>
             <a:r>
-              <a:rPr lang="en-US" altLang="ko-KR" sz="1600" dirty="0"/>
+              <a:rPr lang="en-US" altLang="ko-KR" sz="1600" dirty="0" smtClean="0"/>
               <a:t>.</a:t>
             </a:r>
-            <a:endParaRPr lang="ko-KR" altLang="en-US" sz="1600" dirty="0"/>
+          </a:p>
+          <a:p>
+            <a:pPr marL="342900" indent="-342900">
+              <a:lnSpc>
+                <a:spcPct val="150000"/>
+              </a:lnSpc>
+              <a:buFont typeface="+mj-lt"/>
+              <a:buAutoNum type="arabicPeriod"/>
+            </a:pPr>
+            <a:r>
+              <a:rPr lang="ko-KR" altLang="en-US" sz="1600" dirty="0" smtClean="0"/>
+              <a:t>타입확인하고 </a:t>
+            </a:r>
+            <a:r>
+              <a:rPr lang="ko-KR" altLang="en-US" sz="1600" dirty="0" err="1" smtClean="0"/>
+              <a:t>쿼리문</a:t>
+            </a:r>
+            <a:r>
+              <a:rPr lang="ko-KR" altLang="en-US" sz="1600" dirty="0" smtClean="0"/>
+              <a:t> </a:t>
+            </a:r>
+            <a:r>
+              <a:rPr lang="ko-KR" altLang="en-US" sz="1600" dirty="0" smtClean="0"/>
+              <a:t>짜기 </a:t>
+            </a:r>
+            <a:r>
+              <a:rPr lang="en-US" altLang="ko-KR" sz="1600" b="1" dirty="0" smtClean="0">
+                <a:solidFill>
+                  <a:srgbClr val="FF0000"/>
+                </a:solidFill>
+              </a:rPr>
+              <a:t>DESC TABLE;</a:t>
+            </a:r>
+            <a:endParaRPr lang="ko-KR" altLang="en-US" sz="1600" b="1" dirty="0">
+              <a:solidFill>
+                <a:srgbClr val="FF0000"/>
+              </a:solidFill>
+            </a:endParaRPr>
           </a:p>
         </p:txBody>
       </p:sp>
@@ -5139,6 +5434,137 @@
           </a:fontRef>
         </p:style>
       </p:cxnSp>
+      <p:sp>
+        <p:nvSpPr>
+          <p:cNvPr id="19" name="직사각형 18"/>
+          <p:cNvSpPr/>
+          <p:nvPr/>
+        </p:nvSpPr>
+        <p:spPr>
+          <a:xfrm>
+            <a:off x="2712504" y="3295910"/>
+            <a:ext cx="6381844" cy="397696"/>
+          </a:xfrm>
+          <a:prstGeom prst="rect">
+            <a:avLst/>
+          </a:prstGeom>
+          <a:noFill/>
+          <a:ln w="38100">
+            <a:solidFill>
+              <a:srgbClr val="FF0000"/>
+            </a:solidFill>
+          </a:ln>
+        </p:spPr>
+        <p:style>
+          <a:lnRef idx="2">
+            <a:schemeClr val="accent1">
+              <a:shade val="50000"/>
+            </a:schemeClr>
+          </a:lnRef>
+          <a:fillRef idx="1">
+            <a:schemeClr val="accent1"/>
+          </a:fillRef>
+          <a:effectRef idx="0">
+            <a:schemeClr val="accent1"/>
+          </a:effectRef>
+          <a:fontRef idx="minor">
+            <a:schemeClr val="lt1"/>
+          </a:fontRef>
+        </p:style>
+        <p:txBody>
+          <a:bodyPr rtlCol="0" anchor="ctr"/>
+          <a:lstStyle/>
+          <a:p>
+            <a:pPr algn="ctr"/>
+            <a:endParaRPr lang="ko-KR" altLang="en-US" dirty="0">
+              <a:solidFill>
+                <a:sysClr val="windowText" lastClr="000000"/>
+              </a:solidFill>
+            </a:endParaRPr>
+          </a:p>
+        </p:txBody>
+      </p:sp>
+      <p:sp>
+        <p:nvSpPr>
+          <p:cNvPr id="3" name="TextBox 2"/>
+          <p:cNvSpPr txBox="1"/>
+          <p:nvPr/>
+        </p:nvSpPr>
+        <p:spPr>
+          <a:xfrm>
+            <a:off x="2677750" y="2985762"/>
+            <a:ext cx="1030154" cy="369332"/>
+          </a:xfrm>
+          <a:prstGeom prst="rect">
+            <a:avLst/>
+          </a:prstGeom>
+          <a:solidFill>
+            <a:schemeClr val="bg1"/>
+          </a:solidFill>
+          <a:ln>
+            <a:solidFill>
+              <a:schemeClr val="tx1"/>
+            </a:solidFill>
+          </a:ln>
+        </p:spPr>
+        <p:txBody>
+          <a:bodyPr wrap="none" rtlCol="0">
+            <a:spAutoFit/>
+          </a:bodyPr>
+          <a:lstStyle/>
+          <a:p>
+            <a:r>
+              <a:rPr lang="en-US" altLang="ko-KR" dirty="0" smtClean="0">
+                <a:solidFill>
+                  <a:srgbClr val="FF0000"/>
+                </a:solidFill>
+              </a:rPr>
+              <a:t>ROW ID</a:t>
+            </a:r>
+            <a:endParaRPr lang="ko-KR" altLang="en-US" dirty="0">
+              <a:solidFill>
+                <a:srgbClr val="FF0000"/>
+              </a:solidFill>
+            </a:endParaRPr>
+          </a:p>
+        </p:txBody>
+      </p:sp>
+      <p:cxnSp>
+        <p:nvCxnSpPr>
+          <p:cNvPr id="14" name="직선 화살표 연결선 13"/>
+          <p:cNvCxnSpPr/>
+          <p:nvPr/>
+        </p:nvCxnSpPr>
+        <p:spPr>
+          <a:xfrm flipV="1">
+            <a:off x="2167779" y="3333522"/>
+            <a:ext cx="544725" cy="121634"/>
+          </a:xfrm>
+          <a:prstGeom prst="straightConnector1">
+            <a:avLst/>
+          </a:prstGeom>
+          <a:ln w="57150">
+            <a:solidFill>
+              <a:srgbClr val="FF0000"/>
+            </a:solidFill>
+            <a:tailEnd type="triangle"/>
+          </a:ln>
+        </p:spPr>
+        <p:style>
+          <a:lnRef idx="1">
+            <a:schemeClr val="accent1"/>
+          </a:lnRef>
+          <a:fillRef idx="0">
+            <a:schemeClr val="accent1"/>
+          </a:fillRef>
+          <a:effectRef idx="0">
+            <a:schemeClr val="accent1"/>
+          </a:effectRef>
+          <a:fontRef idx="minor">
+            <a:schemeClr val="tx1"/>
+          </a:fontRef>
+        </p:style>
+      </p:cxnSp>
     </p:spTree>
     <p:extLst>
       <p:ext uri="{BB962C8B-B14F-4D97-AF65-F5344CB8AC3E}">
@@ -5948,7 +6374,19 @@
             </a:r>
             <a:r>
               <a:rPr lang="ko-KR" altLang="en-US" b="0" dirty="0"/>
-              <a:t>절이나 조인 조건 절에서 자주 사용되는 칼럼이 있는 경우</a:t>
+              <a:t>절이나 조인 </a:t>
+            </a:r>
+            <a:r>
+              <a:rPr lang="ko-KR" altLang="en-US" dirty="0">
+                <a:solidFill>
+                  <a:srgbClr val="FF0000"/>
+                </a:solidFill>
+              </a:rPr>
+              <a:t>조건 절에서 자주 사용되는 칼럼</a:t>
+            </a:r>
+            <a:r>
+              <a:rPr lang="ko-KR" altLang="en-US" b="0" dirty="0"/>
+              <a:t>이 있는 경우</a:t>
             </a:r>
             <a:endParaRPr lang="en-US" altLang="ko-KR" b="0" dirty="0"/>
           </a:p>
@@ -5982,9 +6420,21 @@
             </a:pPr>
             <a:r>
               <a:rPr lang="ko-KR" altLang="en-US" b="0" dirty="0"/>
-              <a:t>테이블에 저장된 데이터의 변경이 드문 경우</a:t>
-            </a:r>
-            <a:endParaRPr lang="en-US" altLang="ko-KR" b="0" dirty="0"/>
+              <a:t>테이블에 저장된 </a:t>
+            </a:r>
+            <a:r>
+              <a:rPr lang="ko-KR" altLang="en-US" dirty="0">
+                <a:solidFill>
+                  <a:srgbClr val="FF0000"/>
+                </a:solidFill>
+              </a:rPr>
+              <a:t>데이터의 변경이 드문 경우</a:t>
+            </a:r>
+            <a:endParaRPr lang="en-US" altLang="ko-KR" dirty="0">
+              <a:solidFill>
+                <a:srgbClr val="FF0000"/>
+              </a:solidFill>
+            </a:endParaRPr>
           </a:p>
           <a:p>
             <a:pPr marL="342900" indent="-342900">
@@ -6001,7 +6451,31 @@
             </a:r>
             <a:r>
               <a:rPr lang="ko-KR" altLang="en-US" b="0" dirty="0"/>
-              <a:t>값이 많이 포함된 경우</a:t>
+              <a:t>값이 많이 포함된 </a:t>
+            </a:r>
+            <a:r>
+              <a:rPr lang="ko-KR" altLang="en-US" b="0" dirty="0" smtClean="0"/>
+              <a:t>경우 </a:t>
+            </a:r>
+            <a:r>
+              <a:rPr lang="en-US" altLang="ko-KR" b="0" dirty="0" smtClean="0"/>
+              <a:t>(NULL</a:t>
+            </a:r>
+            <a:r>
+              <a:rPr lang="ko-KR" altLang="en-US" b="0" dirty="0" smtClean="0"/>
+              <a:t>값</a:t>
+            </a:r>
+            <a:r>
+              <a:rPr lang="en-US" altLang="ko-KR" b="0" dirty="0" smtClean="0"/>
+              <a:t>: ROW ID</a:t>
+            </a:r>
+            <a:r>
+              <a:rPr lang="ko-KR" altLang="en-US" b="0" dirty="0" smtClean="0"/>
+              <a:t>가 없음</a:t>
+            </a:r>
+            <a:r>
+              <a:rPr lang="en-US" altLang="ko-KR" b="0" dirty="0" smtClean="0"/>
+              <a:t>)</a:t>
             </a:r>
             <a:endParaRPr lang="en-US" altLang="ko-KR" b="0" dirty="0"/>
           </a:p>
@@ -6012,7 +6486,23 @@
             </a:pPr>
             <a:r>
               <a:rPr lang="ko-KR" altLang="en-US" b="0" dirty="0"/>
-              <a:t>칼럼에 광범위한 값이 포함된 경우</a:t>
+              <a:t>칼럼에 광범위한 값이 포함된 </a:t>
+            </a:r>
+            <a:r>
+              <a:rPr lang="ko-KR" altLang="en-US" b="0" dirty="0" smtClean="0"/>
+              <a:t>경우 </a:t>
+            </a:r>
+            <a:r>
+              <a:rPr lang="en-US" altLang="ko-KR" b="0" dirty="0" smtClean="0"/>
+              <a:t>(</a:t>
+            </a:r>
+            <a:r>
+              <a:rPr lang="ko-KR" altLang="en-US" b="0" dirty="0" smtClean="0"/>
+              <a:t>데이터 양이 많다</a:t>
+            </a:r>
+            <a:r>
+              <a:rPr lang="en-US" altLang="ko-KR" b="0" dirty="0" smtClean="0"/>
+              <a:t>)</a:t>
             </a:r>
             <a:endParaRPr lang="en-US" altLang="ko-KR" b="0" dirty="0"/>
           </a:p>
@@ -6031,8 +6521,57 @@
             </a:r>
             <a:r>
               <a:rPr lang="ko-KR" altLang="en-US" b="0" dirty="0"/>
-              <a:t>정도의 데이터를 검색하는 경우</a:t>
-            </a:r>
+              <a:t>정도의 데이터를 검색하는 </a:t>
+            </a:r>
+            <a:r>
+              <a:rPr lang="ko-KR" altLang="en-US" b="0" dirty="0" smtClean="0"/>
+              <a:t>경우</a:t>
+            </a:r>
+            <a:endParaRPr lang="en-US" altLang="ko-KR" b="0" dirty="0" smtClean="0"/>
+          </a:p>
+          <a:p>
+            <a:pPr marL="342900" indent="-342900">
+              <a:buFont typeface="+mj-lt"/>
+              <a:buAutoNum type="arabicPeriod"/>
+            </a:pPr>
+            <a:endParaRPr lang="en-US" altLang="ko-KR" b="0" dirty="0"/>
+          </a:p>
+          <a:p>
+            <a:pPr marL="342900" indent="-342900">
+              <a:buFont typeface="+mj-lt"/>
+              <a:buAutoNum type="arabicPeriod"/>
+            </a:pPr>
+            <a:endParaRPr lang="en-US" altLang="ko-KR" b="0" dirty="0" smtClean="0"/>
+          </a:p>
+          <a:p>
+            <a:pPr marL="342900" indent="-342900">
+              <a:buFont typeface="+mj-lt"/>
+              <a:buAutoNum type="arabicPeriod"/>
+            </a:pPr>
+            <a:endParaRPr lang="en-US" altLang="ko-KR" b="0" dirty="0"/>
+          </a:p>
+          <a:p>
+            <a:pPr marL="342900" indent="-342900">
+              <a:buFont typeface="+mj-lt"/>
+              <a:buAutoNum type="arabicPeriod"/>
+            </a:pPr>
+            <a:r>
+              <a:rPr lang="en-US" altLang="ko-KR" b="0" dirty="0" smtClean="0"/>
+              <a:t>PK, UNIQUE</a:t>
+            </a:r>
+            <a:r>
+              <a:rPr lang="ko-KR" altLang="en-US" b="0" dirty="0" smtClean="0"/>
+              <a:t>의 칼럼에는 인덱스 </a:t>
+            </a:r>
+            <a:r>
+              <a:rPr lang="ko-KR" altLang="en-US" b="0" dirty="0" smtClean="0"/>
+              <a:t>적절하지</a:t>
+            </a:r>
+            <a:r>
+              <a:rPr lang="en-US" altLang="ko-KR" b="0" dirty="0" smtClean="0"/>
+              <a:t>X</a:t>
+            </a:r>
+            <a:endParaRPr lang="ko-KR" altLang="en-US" b="0" dirty="0"/>
           </a:p>
         </p:txBody>
       </p:sp>
